--- a/김가율_봉하늘_조혜은(교수님).pptx
+++ b/김가율_봉하늘_조혜은(교수님).pptx
@@ -2,8 +2,8 @@
 <file path=ppt/presentation.xml><?xml version="1.0" encoding="utf-8"?>
 <p:presentation xmlns:r="http://schemas.openxmlformats.org/officeDocument/2006/relationships" xmlns:c="http://schemas.openxmlformats.org/drawingml/2006/chart" xmlns:a="http://schemas.openxmlformats.org/drawingml/2006/main" xmlns:dgm="http://schemas.openxmlformats.org/drawingml/2006/diagram" xmlns:dsp="http://schemas.microsoft.com/office/drawing/2008/diagram" xmlns:p="http://schemas.openxmlformats.org/presentationml/2006/main" saveSubsetFonts="1">
   <p:sldMasterIdLst>
-    <p:sldMasterId id="2147483696" r:id="rId1"/>
-    <p:sldMasterId id="2147483697" r:id="rId2"/>
+    <p:sldMasterId id="2147483720" r:id="rId1"/>
+    <p:sldMasterId id="2147483721" r:id="rId2"/>
   </p:sldMasterIdLst>
   <p:notesMasterIdLst>
     <p:notesMasterId r:id="rId3"/>
@@ -14,7 +14,6 @@
     <p:sldId id="258" r:id="rId6"/>
     <p:sldId id="259" r:id="rId7"/>
     <p:sldId id="260" r:id="rId8"/>
-    <p:sldId id="261" r:id="rId9"/>
   </p:sldIdLst>
   <p:sldSz cx="12192000" cy="6858000"/>
   <p:notesSz cx="6858000" cy="9144000"/>
@@ -211,7 +210,7 @@
               <a:pPr lvl="0">
                 <a:defRPr/>
               </a:pPr>
-              <a:t>2022-03-15</a:t>
+              <a:t>2022-04-05</a:t>
             </a:fld>
             <a:endParaRPr lang="ko-KR" altLang="en-US"/>
           </a:p>
@@ -596,6 +595,108 @@
                 <a:defRPr/>
               </a:pPr>
               <a:t>2</a:t>
+            </a:fld>
+            <a:endParaRPr lang="en-US" altLang="en-US"/>
+          </a:p>
+        </p:txBody>
+      </p:sp>
+    </p:spTree>
+  </p:cSld>
+  <p:clrMapOvr>
+    <a:masterClrMapping/>
+  </p:clrMapOvr>
+</p:notes>
+</file>
+
+<file path=ppt/notesSlides/notesSlide2.xml><?xml version="1.0" encoding="utf-8"?>
+<p:notes xmlns:r="http://schemas.openxmlformats.org/officeDocument/2006/relationships" xmlns:c="http://schemas.openxmlformats.org/drawingml/2006/chart" xmlns:a="http://schemas.openxmlformats.org/drawingml/2006/main" xmlns:dgm="http://schemas.openxmlformats.org/drawingml/2006/diagram" xmlns:dsp="http://schemas.microsoft.com/office/drawing/2008/diagram" xmlns:p="http://schemas.openxmlformats.org/presentationml/2006/main">
+  <p:cSld>
+    <p:spTree>
+      <p:nvGrpSpPr>
+        <p:cNvPr id="1" name=""/>
+        <p:cNvGrpSpPr/>
+        <p:nvPr/>
+      </p:nvGrpSpPr>
+      <p:grpSpPr>
+        <a:xfrm>
+          <a:off x="0" y="0"/>
+          <a:ext cx="0" cy="0"/>
+          <a:chOff x="0" y="0"/>
+          <a:chExt cx="0" cy="0"/>
+        </a:xfrm>
+      </p:grpSpPr>
+      <p:sp>
+        <p:nvSpPr>
+          <p:cNvPr id="2" name="슬라이드 이미지 개체 틀 3"/>
+          <p:cNvSpPr>
+            <a:spLocks noGrp="1" noRot="1" noChangeAspect="1" noTextEdit="1"/>
+          </p:cNvSpPr>
+          <p:nvPr>
+            <p:ph type="sldImg" idx="2"/>
+          </p:nvPr>
+        </p:nvSpPr>
+        <p:spPr/>
+        <p:txBody>
+          <a:bodyPr/>
+          <a:lstStyle/>
+          <a:p>
+            <a:pPr>
+              <a:defRPr/>
+            </a:pPr>
+            <a:endParaRPr lang="ko-KR" altLang="en-US"/>
+          </a:p>
+        </p:txBody>
+      </p:sp>
+      <p:sp>
+        <p:nvSpPr>
+          <p:cNvPr id="3" name="슬라이드 노트 개체 틀 4"/>
+          <p:cNvSpPr>
+            <a:spLocks noGrp="1"/>
+          </p:cNvSpPr>
+          <p:nvPr>
+            <p:ph type="body" sz="quarter" idx="3"/>
+          </p:nvPr>
+        </p:nvSpPr>
+        <p:spPr/>
+        <p:txBody>
+          <a:bodyPr/>
+          <a:lstStyle/>
+          <a:p>
+            <a:pPr>
+              <a:defRPr/>
+            </a:pPr>
+            <a:r>
+              <a:rPr lang="ko-KR" altLang="en-US"/>
+              <a:t/>
+            </a:r>
+            <a:endParaRPr lang="ko-KR" altLang="en-US"/>
+          </a:p>
+        </p:txBody>
+      </p:sp>
+      <p:sp>
+        <p:nvSpPr>
+          <p:cNvPr id="4" name="슬라이드 번호 개체 틀 6"/>
+          <p:cNvSpPr>
+            <a:spLocks noGrp="1"/>
+          </p:cNvSpPr>
+          <p:nvPr>
+            <p:ph type="sldNum" sz="quarter" idx="5"/>
+          </p:nvPr>
+        </p:nvSpPr>
+        <p:spPr/>
+        <p:txBody>
+          <a:bodyPr/>
+          <a:lstStyle/>
+          <a:p>
+            <a:pPr lvl="0">
+              <a:defRPr/>
+            </a:pPr>
+            <a:fld id="{09F4262C-968C-4EE9-8164-CE16364706B3}" type="slidenum">
+              <a:rPr lang="en-US" altLang="en-US"/>
+              <a:pPr lvl="0">
+                <a:defRPr/>
+              </a:pPr>
+              <a:t>3</a:t>
             </a:fld>
             <a:endParaRPr lang="en-US" altLang="en-US"/>
           </a:p>
@@ -7515,27 +7616,6 @@
                   <a:srgbClr val="e9b7b5"/>
                 </a:solidFill>
               </a:rPr>
-              <a:t> The Care</a:t>
-            </a:r>
-            <a:endParaRPr lang="en-US" altLang="ko-KR" sz="2400" b="1">
-              <a:solidFill>
-                <a:srgbClr val="e9b7b5"/>
-              </a:solidFill>
-            </a:endParaRPr>
-          </a:p>
-          <a:p>
-            <a:pPr algn="ctr">
-              <a:lnSpc>
-                <a:spcPct val="150000"/>
-              </a:lnSpc>
-              <a:defRPr/>
-            </a:pPr>
-            <a:r>
-              <a:rPr lang="en-US" altLang="ko-KR" sz="2400" b="1">
-                <a:solidFill>
-                  <a:srgbClr val="e9b7b5"/>
-                </a:solidFill>
-              </a:rPr>
               <a:t> </a:t>
             </a:r>
             <a:r>
@@ -7690,31 +7770,6 @@
           </a:p>
         </p:txBody>
       </p:sp>
-      <p:pic>
-        <p:nvPicPr>
-          <p:cNvPr id="10" name=""/>
-          <p:cNvPicPr>
-            <a:picLocks noChangeAspect="1"/>
-          </p:cNvPicPr>
-          <p:nvPr/>
-        </p:nvPicPr>
-        <p:blipFill rotWithShape="1">
-          <a:blip r:embed="rId2"/>
-          <a:srcRect r="58650"/>
-          <a:stretch>
-            <a:fillRect/>
-          </a:stretch>
-        </p:blipFill>
-        <p:spPr>
-          <a:xfrm>
-            <a:off x="5546387" y="1380924"/>
-            <a:ext cx="1308775" cy="1455818"/>
-          </a:xfrm>
-          <a:prstGeom prst="rect">
-            <a:avLst/>
-          </a:prstGeom>
-        </p:spPr>
-      </p:pic>
       <p:sp>
         <p:nvSpPr>
           <p:cNvPr id="11" name=""/>
@@ -7786,6 +7841,30 @@
           </a:p>
         </p:txBody>
       </p:sp>
+      <p:pic>
+        <p:nvPicPr>
+          <p:cNvPr id="12" name=""/>
+          <p:cNvPicPr>
+            <a:picLocks noChangeAspect="1"/>
+          </p:cNvPicPr>
+          <p:nvPr/>
+        </p:nvPicPr>
+        <p:blipFill rotWithShape="1">
+          <a:blip r:embed="rId2"/>
+          <a:stretch>
+            <a:fillRect/>
+          </a:stretch>
+        </p:blipFill>
+        <p:spPr>
+          <a:xfrm>
+            <a:off x="4727096" y="2001057"/>
+            <a:ext cx="2737808" cy="1199342"/>
+          </a:xfrm>
+          <a:prstGeom prst="rect">
+            <a:avLst/>
+          </a:prstGeom>
+        </p:spPr>
+      </p:pic>
     </p:spTree>
   </p:cSld>
   <p:clrMapOvr>
@@ -7943,6 +8022,30 @@
               </a:rPr>
               <a:t>The Care</a:t>
             </a:r>
+            <a:r>
+              <a:rPr lang="ko-KR" altLang="en-US" sz="4200" b="1" i="1">
+                <a:solidFill>
+                  <a:srgbClr val="ff9999"/>
+                </a:solidFill>
+              </a:rPr>
+              <a:t> </a:t>
+            </a:r>
+            <a:r>
+              <a:rPr lang="en-US" altLang="ko-KR" sz="4200" b="1" i="1">
+                <a:solidFill>
+                  <a:srgbClr val="ff9999"/>
+                </a:solidFill>
+              </a:rPr>
+              <a:t>1</a:t>
+            </a:r>
+            <a:r>
+              <a:rPr lang="ko-KR" altLang="en-US" sz="4200" b="1" i="1">
+                <a:solidFill>
+                  <a:srgbClr val="ff9999"/>
+                </a:solidFill>
+              </a:rPr>
+              <a:t>차컨펌</a:t>
+            </a:r>
             <a:endParaRPr lang="ko-KR" altLang="en-US" sz="4200" b="1" i="1">
               <a:solidFill>
                 <a:srgbClr val="ff9999"/>
@@ -7962,7 +8065,7 @@
         <p:spPr>
           <a:xfrm>
             <a:off x="761999" y="2549881"/>
-            <a:ext cx="10744199" cy="2760661"/>
+            <a:ext cx="10744199" cy="2341561"/>
           </a:xfrm>
           <a:prstGeom prst="rect">
             <a:avLst/>
@@ -8019,9 +8122,39 @@
                 <a:latin typeface="1훈정글북 Regular"/>
                 <a:ea typeface="1훈정글북 Regular"/>
               </a:rPr>
-              <a:t>시술 관련 정보를 제공하고</a:t>
-            </a:r>
-            <a:endParaRPr kumimoji="0" lang="ko-KR" altLang="en-US" sz="2600" b="0" i="0" u="none" strike="noStrike" kern="1200" cap="none" spc="0" normalizeH="0" baseline="0">
+              <a:t>대메뉴 이름 수정 </a:t>
+            </a:r>
+            <a:r>
+              <a:rPr kumimoji="0" lang="en-US" altLang="ko-KR" sz="2600" b="0" i="0" u="none" strike="noStrike" kern="1200" cap="none" spc="0" normalizeH="0" baseline="0">
+                <a:solidFill>
+                  <a:schemeClr val="tx1"/>
+                </a:solidFill>
+                <a:latin typeface="1훈정글북 Regular"/>
+                <a:ea typeface="1훈정글북 Regular"/>
+              </a:rPr>
+              <a:t>(</a:t>
+            </a:r>
+            <a:r>
+              <a:rPr kumimoji="0" lang="ko-KR" altLang="en-US" sz="2600" b="0" i="0" u="none" strike="noStrike" kern="1200" cap="none" spc="0" normalizeH="0" baseline="0">
+                <a:solidFill>
+                  <a:schemeClr val="tx1"/>
+                </a:solidFill>
+                <a:latin typeface="1훈정글북 Regular"/>
+                <a:ea typeface="1훈정글북 Regular"/>
+              </a:rPr>
+              <a:t>사이트 맵 참고</a:t>
+            </a:r>
+            <a:r>
+              <a:rPr kumimoji="0" lang="en-US" altLang="ko-KR" sz="2600" b="0" i="0" u="none" strike="noStrike" kern="1200" cap="none" spc="0" normalizeH="0" baseline="0">
+                <a:solidFill>
+                  <a:schemeClr val="tx1"/>
+                </a:solidFill>
+                <a:latin typeface="1훈정글북 Regular"/>
+                <a:ea typeface="1훈정글북 Regular"/>
+              </a:rPr>
+              <a:t>)</a:t>
+            </a:r>
+            <a:endParaRPr kumimoji="0" lang="en-US" altLang="ko-KR" sz="2600" b="0" i="0" u="none" strike="noStrike" kern="1200" cap="none" spc="0" normalizeH="0" baseline="0">
               <a:solidFill>
                 <a:schemeClr val="tx1"/>
               </a:solidFill>
@@ -8045,26 +8178,46 @@
               <a:defRPr/>
             </a:pPr>
             <a:r>
-              <a:rPr xmlns:mc="http://schemas.openxmlformats.org/markup-compatibility/2006" xmlns:hp="http://schemas.haansoft.com/office/presentation/8.0" kumimoji="0" lang="ko-KR" altLang="en-US" sz="2600" b="0" i="0" u="none" strike="noStrike" kern="1200" cap="none" spc="0" normalizeH="0" baseline="0" mc:Ignorable="hp" hp:hslEmbossed="0">
-                <a:solidFill>
-                  <a:srgbClr val="000000"/>
+              <a:rPr kumimoji="0" lang="ko-KR" altLang="en-US" sz="2600" b="0" i="0" u="none" strike="noStrike" kern="1200" cap="none" spc="0" normalizeH="0" baseline="0">
+                <a:solidFill>
+                  <a:schemeClr val="tx1"/>
                 </a:solidFill>
                 <a:latin typeface="1훈정글북 Regular"/>
                 <a:ea typeface="1훈정글북 Regular"/>
               </a:rPr>
-              <a:t>테스트를 통해 </a:t>
-            </a:r>
-            <a:r>
-              <a:rPr kumimoji="0" lang="ko-KR" altLang="en-US" sz="2600" b="0" i="0" u="none" strike="noStrike" kern="1200" cap="none" spc="0" normalizeH="0" baseline="0">
+              <a:t>더소통 페이지 </a:t>
+            </a:r>
+            <a:r>
+              <a:rPr kumimoji="0" lang="en-US" altLang="ko-KR" sz="2600" b="0" i="0" u="none" strike="noStrike" kern="1200" cap="none" spc="0" normalizeH="0" baseline="0">
                 <a:solidFill>
                   <a:schemeClr val="tx1"/>
                 </a:solidFill>
                 <a:latin typeface="1훈정글북 Regular"/>
                 <a:ea typeface="1훈정글북 Regular"/>
               </a:rPr>
-              <a:t>자신의 피부타입과 </a:t>
-            </a:r>
-            <a:endParaRPr kumimoji="0" lang="ko-KR" altLang="en-US" sz="2600" b="0" i="0" u="none" strike="noStrike" kern="1200" cap="none" spc="0" normalizeH="0" baseline="0">
+              <a:t>(</a:t>
+            </a:r>
+            <a:r>
+              <a:rPr kumimoji="0" lang="ko-KR" altLang="en-US" sz="2600" b="0" i="0" u="none" strike="noStrike" kern="1200" cap="none" spc="0" normalizeH="0" baseline="0">
+                <a:solidFill>
+                  <a:schemeClr val="tx1"/>
+                </a:solidFill>
+                <a:latin typeface="1훈정글북 Regular"/>
+                <a:ea typeface="1훈정글북 Regular"/>
+              </a:rPr>
+              <a:t>기록장으로 변경</a:t>
+            </a:r>
+            <a:r>
+              <a:rPr kumimoji="0" lang="en-US" altLang="ko-KR" sz="2600" b="0" i="0" u="none" strike="noStrike" kern="1200" cap="none" spc="0" normalizeH="0" baseline="0">
+                <a:solidFill>
+                  <a:schemeClr val="tx1"/>
+                </a:solidFill>
+                <a:latin typeface="1훈정글북 Regular"/>
+                <a:ea typeface="1훈정글북 Regular"/>
+              </a:rPr>
+              <a:t>)</a:t>
+            </a:r>
+            <a:endParaRPr kumimoji="0" lang="en-US" altLang="ko-KR" sz="2600" b="0" i="0" u="none" strike="noStrike" kern="1200" cap="none" spc="0" normalizeH="0" baseline="0">
               <a:solidFill>
                 <a:schemeClr val="tx1"/>
               </a:solidFill>
@@ -8095,42 +8248,59 @@
                 <a:latin typeface="1훈정글북 Regular"/>
                 <a:ea typeface="1훈정글북 Regular"/>
               </a:rPr>
-              <a:t>그에 따른 관리법을 추천 받을 수 있으며</a:t>
-            </a:r>
-            <a:endParaRPr kumimoji="0" lang="ko-KR" altLang="en-US" sz="2600" b="0" i="0" u="none" strike="noStrike" kern="1200" cap="none" spc="0" normalizeH="0" baseline="0">
-              <a:solidFill>
-                <a:schemeClr val="tx1"/>
-              </a:solidFill>
-              <a:latin typeface="1훈정글북 Regular"/>
-              <a:ea typeface="1훈정글북 Regular"/>
-            </a:endParaRPr>
-          </a:p>
-          <a:p>
-            <a:pPr marL="0" indent="0" algn="ctr" defTabSz="914400" rtl="0" eaLnBrk="1" latinLnBrk="1" hangingPunct="1">
-              <a:lnSpc>
-                <a:spcPct val="90000"/>
-              </a:lnSpc>
-              <a:spcBef>
-                <a:spcPts val="1000"/>
-              </a:spcBef>
-              <a:spcAft>
-                <a:spcPts val="0"/>
-              </a:spcAft>
-              <a:buFont typeface="Arial"/>
-              <a:buNone/>
-              <a:defRPr/>
-            </a:pPr>
-            <a:r>
-              <a:rPr kumimoji="0" lang="ko-KR" altLang="en-US" sz="2600" b="0" i="0" u="none" strike="noStrike" kern="1200" cap="none" spc="0" normalizeH="0" baseline="0">
+              <a:t>다양한 정보 추가 </a:t>
+            </a:r>
+            <a:r>
+              <a:rPr kumimoji="0" lang="en-US" altLang="ko-KR" sz="2600" b="0" i="0" u="none" strike="noStrike" kern="1200" cap="none" spc="0" normalizeH="0" baseline="0">
                 <a:solidFill>
                   <a:schemeClr val="tx1"/>
                 </a:solidFill>
                 <a:latin typeface="1훈정글북 Regular"/>
                 <a:ea typeface="1훈정글북 Regular"/>
               </a:rPr>
-              <a:t> 원하는 시술을 예약할 수 있는 웹사이트 </a:t>
-            </a:r>
-            <a:endParaRPr kumimoji="0" lang="ko-KR" altLang="en-US" sz="2600" b="0" i="0" u="none" strike="noStrike" kern="1200" cap="none" spc="0" normalizeH="0" baseline="0">
+              <a:t>(</a:t>
+            </a:r>
+            <a:r>
+              <a:rPr kumimoji="0" lang="ko-KR" altLang="en-US" sz="2600" b="0" i="0" u="none" strike="noStrike" kern="1200" cap="none" spc="0" normalizeH="0" baseline="0">
+                <a:solidFill>
+                  <a:schemeClr val="tx1"/>
+                </a:solidFill>
+                <a:latin typeface="1훈정글북 Regular"/>
+                <a:ea typeface="1훈정글북 Regular"/>
+              </a:rPr>
+              <a:t>더모어</a:t>
+            </a:r>
+            <a:r>
+              <a:rPr kumimoji="0" lang="en-US" altLang="ko-KR" sz="2600" b="0" i="0" u="none" strike="noStrike" kern="1200" cap="none" spc="0" normalizeH="0" baseline="0">
+                <a:solidFill>
+                  <a:schemeClr val="tx1"/>
+                </a:solidFill>
+                <a:latin typeface="1훈정글북 Regular"/>
+                <a:ea typeface="1훈정글북 Regular"/>
+              </a:rPr>
+              <a:t>,</a:t>
+            </a:r>
+            <a:r>
+              <a:rPr kumimoji="0" lang="ko-KR" altLang="en-US" sz="2600" b="0" i="0" u="none" strike="noStrike" kern="1200" cap="none" spc="0" normalizeH="0" baseline="0">
+                <a:solidFill>
+                  <a:schemeClr val="tx1"/>
+                </a:solidFill>
+                <a:latin typeface="1훈정글북 Regular"/>
+                <a:ea typeface="1훈정글북 Regular"/>
+              </a:rPr>
+              <a:t> 케어라이프로 변경</a:t>
+            </a:r>
+            <a:r>
+              <a:rPr kumimoji="0" lang="en-US" altLang="ko-KR" sz="2600" b="0" i="0" u="none" strike="noStrike" kern="1200" cap="none" spc="0" normalizeH="0" baseline="0">
+                <a:solidFill>
+                  <a:schemeClr val="tx1"/>
+                </a:solidFill>
+                <a:latin typeface="1훈정글북 Regular"/>
+                <a:ea typeface="1훈정글북 Regular"/>
+              </a:rPr>
+              <a:t>)</a:t>
+            </a:r>
+            <a:endParaRPr kumimoji="0" lang="en-US" altLang="ko-KR" sz="2600" b="0" i="0" u="none" strike="noStrike" kern="1200" cap="none" spc="0" normalizeH="0" baseline="0">
               <a:solidFill>
                 <a:schemeClr val="tx1"/>
               </a:solidFill>
@@ -8290,12 +8460,20 @@
               <a:defRPr/>
             </a:pPr>
             <a:r>
+              <a:rPr lang="en-US" altLang="ko-KR" sz="4200" b="1" i="1">
+                <a:solidFill>
+                  <a:srgbClr val="ff9999"/>
+                </a:solidFill>
+              </a:rPr>
+              <a:t>The Care</a:t>
+            </a:r>
+            <a:r>
               <a:rPr lang="ko-KR" altLang="en-US" sz="4200" b="1" i="1">
                 <a:solidFill>
                   <a:srgbClr val="ff9999"/>
                 </a:solidFill>
               </a:rPr>
-              <a:t>기획의도</a:t>
+              <a:t>란</a:t>
             </a:r>
             <a:endParaRPr lang="ko-KR" altLang="en-US" sz="4200" b="1" i="1">
               <a:solidFill>
@@ -8307,7 +8485,7 @@
       </p:sp>
       <p:sp>
         <p:nvSpPr>
-          <p:cNvPr id="66" name="부제목 2"/>
+          <p:cNvPr id="65" name="부제목 2"/>
           <p:cNvSpPr>
             <a:spLocks noGrp="1"/>
           </p:cNvSpPr>
@@ -8315,8 +8493,8 @@
         </p:nvSpPr>
         <p:spPr>
           <a:xfrm>
-            <a:off x="1042988" y="3673831"/>
-            <a:ext cx="10106024" cy="2398711"/>
+            <a:off x="723900" y="2191545"/>
+            <a:ext cx="10744199" cy="2760661"/>
           </a:xfrm>
           <a:prstGeom prst="rect">
             <a:avLst/>
@@ -8324,13 +8502,13 @@
         </p:spPr>
         <p:txBody>
           <a:bodyPr vert="horz" lIns="91440" tIns="45720" rIns="91440" bIns="45720">
-            <a:normAutofit fontScale="85000" lnSpcReduction="20000"/>
+            <a:normAutofit lnSpcReduction="10000"/>
           </a:bodyPr>
           <a:lstStyle/>
           <a:p>
-            <a:pPr marL="0" indent="0" defTabSz="914400" rtl="0" eaLnBrk="1" latinLnBrk="1" hangingPunct="1">
+            <a:pPr marL="0" indent="0" algn="ctr" defTabSz="914400" rtl="0" eaLnBrk="1" latinLnBrk="1" hangingPunct="1">
               <a:lnSpc>
-                <a:spcPct val="140000"/>
+                <a:spcPct val="90000"/>
               </a:lnSpc>
               <a:spcBef>
                 <a:spcPts val="1000"/>
@@ -8338,10 +8516,11 @@
               <a:spcAft>
                 <a:spcPts val="0"/>
               </a:spcAft>
+              <a:buFont typeface="Arial"/>
               <a:buNone/>
               <a:defRPr/>
             </a:pPr>
-            <a:endParaRPr kumimoji="0" lang="ko-KR" altLang="en-US" sz="2500" b="0" i="0" u="none" strike="noStrike" kern="1200" cap="none" spc="0" normalizeH="0" baseline="0">
+            <a:endParaRPr kumimoji="0" lang="ko-KR" altLang="en-US" sz="2600" b="0" i="0" u="none" strike="noStrike" kern="1200" cap="none" spc="0" normalizeH="0" baseline="0">
               <a:solidFill>
                 <a:schemeClr val="tx1"/>
               </a:solidFill>
@@ -8350,30 +8529,77 @@
             </a:endParaRPr>
           </a:p>
           <a:p>
-            <a:pPr marL="0" indent="0" defTabSz="914400" rtl="0" eaLnBrk="1" latinLnBrk="1" hangingPunct="1">
+            <a:pPr marL="0" indent="0" defTabSz="914400">
               <a:lnSpc>
-                <a:spcPct val="140000"/>
+                <a:spcPct val="90000"/>
               </a:lnSpc>
               <a:spcBef>
                 <a:spcPts val="1000"/>
               </a:spcBef>
-              <a:spcAft>
-                <a:spcPts val="0"/>
-              </a:spcAft>
               <a:buNone/>
               <a:defRPr/>
             </a:pPr>
             <a:r>
-              <a:rPr kumimoji="0" lang="ko-KR" altLang="en-US" sz="2500" b="0" i="0" u="none" strike="noStrike" kern="1200" cap="none" spc="0" normalizeH="0" baseline="0">
+              <a:rPr kumimoji="0" lang="en-US" altLang="ko-KR" sz="2600" b="0" i="0" u="none" strike="noStrike" kern="1200" cap="none" spc="0" normalizeH="0" baseline="0">
                 <a:solidFill>
                   <a:schemeClr val="tx1"/>
                 </a:solidFill>
                 <a:latin typeface="1훈정글북 Regular"/>
                 <a:ea typeface="1훈정글북 Regular"/>
               </a:rPr>
-              <a:t>시술명칭이 생소하고 명칭에 대한 설명이 부족</a:t>
-            </a:r>
-            <a:endParaRPr kumimoji="0" lang="ko-KR" altLang="en-US" sz="2500" b="0" i="0" u="none" strike="noStrike" kern="1200" cap="none" spc="0" normalizeH="0" baseline="0">
+              <a:t>The Care</a:t>
+            </a:r>
+            <a:r>
+              <a:rPr kumimoji="0" lang="ko-KR" altLang="en-US" sz="2600" b="0" i="0" u="none" strike="noStrike" kern="1200" cap="none" spc="0" normalizeH="0" baseline="0">
+                <a:solidFill>
+                  <a:schemeClr val="tx1"/>
+                </a:solidFill>
+                <a:latin typeface="1훈정글북 Regular"/>
+                <a:ea typeface="1훈정글북 Regular"/>
+              </a:rPr>
+              <a:t>란 시술 관련 </a:t>
+            </a:r>
+            <a:r>
+              <a:rPr kumimoji="0" lang="ko-KR" altLang="en-US" sz="2600" b="1" i="0" u="none" strike="noStrike" kern="1200" cap="none" spc="0" normalizeH="0" baseline="0">
+                <a:solidFill>
+                  <a:srgbClr val="ff7d7d"/>
+                </a:solidFill>
+                <a:latin typeface="1훈정글북 Regular"/>
+                <a:ea typeface="1훈정글북 Regular"/>
+              </a:rPr>
+              <a:t>다양한 정보를 제공</a:t>
+            </a:r>
+            <a:r>
+              <a:rPr kumimoji="0" lang="ko-KR" altLang="en-US" sz="2600" b="0" i="0" u="none" strike="noStrike" kern="1200" cap="none" spc="0" normalizeH="0" baseline="0">
+                <a:solidFill>
+                  <a:schemeClr val="tx1"/>
+                </a:solidFill>
+                <a:latin typeface="1훈정글북 Regular"/>
+                <a:ea typeface="1훈정글북 Regular"/>
+              </a:rPr>
+              <a:t>하고 </a:t>
+            </a:r>
+            <a:r>
+              <a:rPr kumimoji="0" lang="ko-KR" altLang="en-US" sz="2600" b="1" i="0" u="none" strike="noStrike" kern="1200" cap="none" spc="0" normalizeH="0" baseline="0">
+                <a:solidFill>
+                  <a:srgbClr val="ff7d7d"/>
+                </a:solidFill>
+                <a:latin typeface="1훈정글북 Regular"/>
+                <a:ea typeface="1훈정글북 Regular"/>
+              </a:rPr>
+              <a:t>피부타입 진단</a:t>
+            </a:r>
+            <a:r>
+              <a:rPr kumimoji="0" lang="ko-KR" altLang="en-US" sz="2600" b="0" i="0" u="none" strike="noStrike" kern="1200" cap="none" spc="0" normalizeH="0" baseline="0">
+                <a:solidFill>
+                  <a:schemeClr val="tx1"/>
+                </a:solidFill>
+                <a:latin typeface="1훈정글북 Regular"/>
+                <a:ea typeface="1훈정글북 Regular"/>
+              </a:rPr>
+              <a:t> 후 </a:t>
+            </a:r>
+            <a:endParaRPr kumimoji="0" lang="ko-KR" altLang="en-US" sz="2600" b="0" i="0" u="none" strike="noStrike" kern="1200" cap="none" spc="0" normalizeH="0" baseline="0">
               <a:solidFill>
                 <a:schemeClr val="tx1"/>
               </a:solidFill>
@@ -8382,20 +8608,77 @@
             </a:endParaRPr>
           </a:p>
           <a:p>
-            <a:pPr marL="0" indent="0" defTabSz="914400" rtl="0" eaLnBrk="1" latinLnBrk="1" hangingPunct="1">
+            <a:pPr marL="0" indent="0" defTabSz="914400">
               <a:lnSpc>
-                <a:spcPct val="140000"/>
+                <a:spcPct val="90000"/>
               </a:lnSpc>
               <a:spcBef>
                 <a:spcPts val="1000"/>
               </a:spcBef>
-              <a:spcAft>
-                <a:spcPts val="0"/>
-              </a:spcAft>
               <a:buNone/>
               <a:defRPr/>
             </a:pPr>
-            <a:endParaRPr kumimoji="0" lang="ko-KR" altLang="en-US" sz="300" b="0" i="0" u="none" strike="noStrike" kern="1200" cap="none" spc="0" normalizeH="0" baseline="0">
+            <a:r>
+              <a:rPr kumimoji="0" lang="ko-KR" altLang="en-US" sz="2600" b="1" i="0" u="none" strike="noStrike" kern="1200" cap="none" spc="0" normalizeH="0" baseline="0">
+                <a:solidFill>
+                  <a:srgbClr val="ff7d7d"/>
+                </a:solidFill>
+                <a:latin typeface="1훈정글북 Regular"/>
+                <a:ea typeface="1훈정글북 Regular"/>
+              </a:rPr>
+              <a:t>관리법을 추천</a:t>
+            </a:r>
+            <a:r>
+              <a:rPr kumimoji="0" lang="ko-KR" altLang="en-US" sz="2600" b="0" i="0" u="none" strike="noStrike" kern="1200" cap="none" spc="0" normalizeH="0" baseline="0">
+                <a:solidFill>
+                  <a:schemeClr val="tx1"/>
+                </a:solidFill>
+                <a:latin typeface="1훈정글북 Regular"/>
+                <a:ea typeface="1훈정글북 Regular"/>
+              </a:rPr>
+              <a:t> 받으며 그 </a:t>
+            </a:r>
+            <a:r>
+              <a:rPr kumimoji="0" lang="ko-KR" altLang="en-US" sz="2600" b="1" i="0" u="none" strike="noStrike" kern="1200" cap="none" spc="0" normalizeH="0" baseline="0">
+                <a:solidFill>
+                  <a:srgbClr val="ff7d7d"/>
+                </a:solidFill>
+                <a:latin typeface="1훈정글북 Regular"/>
+                <a:ea typeface="1훈정글북 Regular"/>
+              </a:rPr>
+              <a:t>피부유형에 관한 자세한 내용</a:t>
+            </a:r>
+            <a:r>
+              <a:rPr kumimoji="0" lang="ko-KR" altLang="en-US" sz="2600" b="0" i="0" u="none" strike="noStrike" kern="1200" cap="none" spc="0" normalizeH="0" baseline="0">
+                <a:solidFill>
+                  <a:schemeClr val="tx1"/>
+                </a:solidFill>
+                <a:latin typeface="1훈정글북 Regular"/>
+                <a:ea typeface="1훈정글북 Regular"/>
+              </a:rPr>
+              <a:t>을 찾아 볼 수 있다</a:t>
+            </a:r>
+            <a:r>
+              <a:rPr kumimoji="0" lang="en-US" altLang="ko-KR" sz="2600" b="0" i="0" u="none" strike="noStrike" kern="1200" cap="none" spc="0" normalizeH="0" baseline="0">
+                <a:solidFill>
+                  <a:schemeClr val="tx1"/>
+                </a:solidFill>
+                <a:latin typeface="1훈정글북 Regular"/>
+                <a:ea typeface="1훈정글북 Regular"/>
+              </a:rPr>
+              <a:t>.</a:t>
+            </a:r>
+            <a:r>
+              <a:rPr kumimoji="0" lang="ko-KR" altLang="en-US" sz="2600" b="0" i="0" u="none" strike="noStrike" kern="1200" cap="none" spc="0" normalizeH="0" baseline="0">
+                <a:solidFill>
+                  <a:schemeClr val="tx1"/>
+                </a:solidFill>
+                <a:latin typeface="1훈정글북 Regular"/>
+                <a:ea typeface="1훈정글북 Regular"/>
+              </a:rPr>
+              <a:t> </a:t>
+            </a:r>
+            <a:endParaRPr kumimoji="0" lang="ko-KR" altLang="en-US" sz="2600" b="0" i="0" u="none" strike="noStrike" kern="1200" cap="none" spc="0" normalizeH="0" baseline="0">
               <a:solidFill>
                 <a:schemeClr val="tx1"/>
               </a:solidFill>
@@ -8406,7 +8689,7 @@
           <a:p>
             <a:pPr marL="0" indent="0" defTabSz="914400">
               <a:lnSpc>
-                <a:spcPct val="140000"/>
+                <a:spcPct val="90000"/>
               </a:lnSpc>
               <a:spcBef>
                 <a:spcPts val="1000"/>
@@ -8415,16 +8698,36 @@
               <a:defRPr/>
             </a:pPr>
             <a:r>
-              <a:rPr kumimoji="0" lang="ko-KR" altLang="en-US" sz="2500" b="0" i="0" u="none" strike="noStrike" kern="1200" cap="none" spc="0" normalizeH="0" baseline="0">
+              <a:rPr kumimoji="0" lang="ko-KR" altLang="en-US" sz="2600" b="0" i="0" u="none" strike="noStrike" kern="1200" cap="none" spc="0" normalizeH="0" baseline="0">
                 <a:solidFill>
                   <a:schemeClr val="tx1"/>
                 </a:solidFill>
                 <a:latin typeface="1훈정글북 Regular"/>
                 <a:ea typeface="1훈정글북 Regular"/>
               </a:rPr>
-              <a:t>정확한 시술에 대해 알기 위해선 전화 또는 방문 상담을 해야한다는 점</a:t>
-            </a:r>
-            <a:endParaRPr kumimoji="0" lang="ko-KR" altLang="en-US" sz="2500" b="0" i="0" u="none" strike="noStrike" kern="1200" cap="none" spc="0" normalizeH="0" baseline="0">
+              <a:t>또한 </a:t>
+            </a:r>
+            <a:r>
+              <a:rPr kumimoji="0" lang="ko-KR" altLang="en-US" sz="2600" b="1" i="0" u="none" strike="noStrike" kern="1200" cap="none" spc="0" normalizeH="0" baseline="0">
+                <a:solidFill>
+                  <a:srgbClr val="ff7d7d"/>
+                </a:solidFill>
+                <a:latin typeface="1훈정글북 Regular"/>
+                <a:ea typeface="1훈정글북 Regular"/>
+              </a:rPr>
+              <a:t>시술후기 커뮤니티</a:t>
+            </a:r>
+            <a:r>
+              <a:rPr kumimoji="0" lang="ko-KR" altLang="en-US" sz="2600" b="0" i="0" u="none" strike="noStrike" kern="1200" cap="none" spc="0" normalizeH="0" baseline="0">
+                <a:solidFill>
+                  <a:schemeClr val="tx1"/>
+                </a:solidFill>
+                <a:latin typeface="1훈정글북 Regular"/>
+                <a:ea typeface="1훈정글북 Regular"/>
+              </a:rPr>
+              <a:t>를 통해 시술에 관해 소통할 수 있고 </a:t>
+            </a:r>
+            <a:endParaRPr kumimoji="0" lang="ko-KR" altLang="en-US" sz="2600" b="0" i="0" u="none" strike="noStrike" kern="1200" cap="none" spc="0" normalizeH="0" baseline="0">
               <a:solidFill>
                 <a:schemeClr val="tx1"/>
               </a:solidFill>
@@ -8435,7 +8738,7 @@
           <a:p>
             <a:pPr marL="0" indent="0" defTabSz="914400">
               <a:lnSpc>
-                <a:spcPct val="140000"/>
+                <a:spcPct val="90000"/>
               </a:lnSpc>
               <a:spcBef>
                 <a:spcPts val="1000"/>
@@ -8443,7 +8746,37 @@
               <a:buNone/>
               <a:defRPr/>
             </a:pPr>
-            <a:endParaRPr kumimoji="0" lang="ko-KR" altLang="en-US" sz="300" b="0" i="0" u="none" strike="noStrike" kern="1200" cap="none" spc="0" normalizeH="0" baseline="0">
+            <a:r>
+              <a:rPr kumimoji="0" lang="ko-KR" altLang="en-US" sz="2600" b="1" i="0" u="none" strike="noStrike" kern="1200" cap="none" spc="0" normalizeH="0" baseline="0">
+                <a:solidFill>
+                  <a:srgbClr val="ff7d7d"/>
+                </a:solidFill>
+                <a:latin typeface="1훈정글북 Regular"/>
+                <a:ea typeface="1훈정글북 Regular"/>
+              </a:rPr>
+              <a:t>원하는 시술을 예약</a:t>
+            </a:r>
+            <a:r>
+              <a:rPr kumimoji="0" lang="ko-KR" altLang="en-US" sz="2600" b="0" i="0" u="none" strike="noStrike" kern="1200" cap="none" spc="0" normalizeH="0" baseline="0">
+                <a:solidFill>
+                  <a:schemeClr val="tx1"/>
+                </a:solidFill>
+                <a:latin typeface="1훈정글북 Regular"/>
+                <a:ea typeface="1훈정글북 Regular"/>
+              </a:rPr>
+              <a:t>할 수 웹사이트다</a:t>
+            </a:r>
+            <a:r>
+              <a:rPr kumimoji="0" lang="en-US" altLang="ko-KR" sz="2600" b="0" i="0" u="none" strike="noStrike" kern="1200" cap="none" spc="0" normalizeH="0" baseline="0">
+                <a:solidFill>
+                  <a:schemeClr val="tx1"/>
+                </a:solidFill>
+                <a:latin typeface="1훈정글북 Regular"/>
+                <a:ea typeface="1훈정글북 Regular"/>
+              </a:rPr>
+              <a:t>.</a:t>
+            </a:r>
+            <a:endParaRPr kumimoji="0" lang="en-US" altLang="ko-KR" sz="2600" b="0" i="0" u="none" strike="noStrike" kern="1200" cap="none" spc="0" normalizeH="0" baseline="0">
               <a:solidFill>
                 <a:schemeClr val="tx1"/>
               </a:solidFill>
@@ -8451,61 +8784,8 @@
               <a:ea typeface="1훈정글북 Regular"/>
             </a:endParaRPr>
           </a:p>
-          <a:p>
-            <a:pPr marL="0" indent="0" defTabSz="914400">
-              <a:lnSpc>
-                <a:spcPct val="140000"/>
-              </a:lnSpc>
-              <a:spcBef>
-                <a:spcPts val="1000"/>
-              </a:spcBef>
-              <a:buNone/>
-              <a:defRPr/>
-            </a:pPr>
-            <a:r>
-              <a:rPr kumimoji="0" lang="ko-KR" altLang="en-US" sz="2500" b="0" i="0" u="none" strike="noStrike" kern="1200" cap="none" spc="0" normalizeH="0" baseline="0">
-                <a:solidFill>
-                  <a:schemeClr val="tx1"/>
-                </a:solidFill>
-                <a:latin typeface="1훈정글북 Regular"/>
-                <a:ea typeface="1훈정글북 Regular"/>
-              </a:rPr>
-              <a:t>그 불편함을 해소하고자 시술정보를 구체적으로 알기쉽게 제공</a:t>
-            </a:r>
-            <a:endParaRPr kumimoji="0" lang="ko-KR" altLang="en-US" sz="2500" b="0" i="0" u="none" strike="noStrike" kern="1200" cap="none" spc="0" normalizeH="0" baseline="0">
-              <a:solidFill>
-                <a:schemeClr val="tx1"/>
-              </a:solidFill>
-              <a:latin typeface="1훈정글북 Regular"/>
-              <a:ea typeface="1훈정글북 Regular"/>
-            </a:endParaRPr>
-          </a:p>
-        </p:txBody>
-      </p:sp>
-      <p:pic>
-        <p:nvPicPr>
-          <p:cNvPr id="70" name=""/>
-          <p:cNvPicPr>
-            <a:picLocks noChangeAspect="1"/>
-          </p:cNvPicPr>
-          <p:nvPr/>
-        </p:nvPicPr>
-        <p:blipFill rotWithShape="1">
-          <a:blip r:embed="rId2"/>
-          <a:stretch>
-            <a:fillRect/>
-          </a:stretch>
-        </p:blipFill>
-        <p:spPr>
-          <a:xfrm>
-            <a:off x="3403282" y="1324503"/>
-            <a:ext cx="5385434" cy="2247372"/>
-          </a:xfrm>
-          <a:prstGeom prst="rect">
-            <a:avLst/>
-          </a:prstGeom>
-        </p:spPr>
-      </p:pic>
+        </p:txBody>
+      </p:sp>
     </p:spTree>
   </p:cSld>
   <p:clrMapOvr>
@@ -8523,935 +8803,6 @@
 </file>
 
 <file path=ppt/slides/slide4.xml><?xml version="1.0" encoding="utf-8"?>
-<p:sld xmlns:r="http://schemas.openxmlformats.org/officeDocument/2006/relationships" xmlns:c="http://schemas.openxmlformats.org/drawingml/2006/chart" xmlns:a="http://schemas.openxmlformats.org/drawingml/2006/main" xmlns:dgm="http://schemas.openxmlformats.org/drawingml/2006/diagram" xmlns:dsp="http://schemas.microsoft.com/office/drawing/2008/diagram" xmlns:p="http://schemas.openxmlformats.org/presentationml/2006/main">
-  <p:cSld>
-    <p:bg>
-      <p:bgPr shadeToTitle="0">
-        <a:gradFill>
-          <a:gsLst>
-            <a:gs pos="50000">
-              <a:srgbClr val="b3acb3"/>
-            </a:gs>
-            <a:gs pos="50000">
-              <a:srgbClr val="f8e9e8"/>
-            </a:gs>
-          </a:gsLst>
-          <a:lin ang="6600000" scaled="0"/>
-        </a:gradFill>
-      </p:bgPr>
-    </p:bg>
-    <p:spTree>
-      <p:nvGrpSpPr>
-        <p:cNvPr id="1" name=""/>
-        <p:cNvGrpSpPr/>
-        <p:nvPr/>
-      </p:nvGrpSpPr>
-      <p:grpSpPr>
-        <a:xfrm>
-          <a:off x="0" y="0"/>
-          <a:ext cx="0" cy="0"/>
-          <a:chOff x="0" y="0"/>
-          <a:chExt cx="0" cy="0"/>
-        </a:xfrm>
-      </p:grpSpPr>
-      <p:sp>
-        <p:nvSpPr>
-          <p:cNvPr id="3" name="직사각형 2"/>
-          <p:cNvSpPr/>
-          <p:nvPr/>
-        </p:nvSpPr>
-        <p:spPr>
-          <a:xfrm>
-            <a:off x="409575" y="419993"/>
-            <a:ext cx="11372850" cy="6018014"/>
-          </a:xfrm>
-          <a:prstGeom prst="rect">
-            <a:avLst/>
-          </a:prstGeom>
-          <a:solidFill>
-            <a:schemeClr val="bg1"/>
-          </a:solidFill>
-          <a:ln w="187325">
-            <a:gradFill>
-              <a:gsLst>
-                <a:gs pos="50000">
-                  <a:srgbClr val="efccca"/>
-                </a:gs>
-                <a:gs pos="50000">
-                  <a:schemeClr val="bg1">
-                    <a:lumMod val="85000"/>
-                  </a:schemeClr>
-                </a:gs>
-              </a:gsLst>
-              <a:lin ang="6600000" scaled="0"/>
-            </a:gradFill>
-          </a:ln>
-          <a:effectLst>
-            <a:outerShdw blurRad="431800" dist="241300" dir="5400000" sx="97000" sy="97000" algn="t" rotWithShape="0">
-              <a:prstClr val="black">
-                <a:alpha val="31000"/>
-              </a:prstClr>
-            </a:outerShdw>
-          </a:effectLst>
-        </p:spPr>
-        <p:style>
-          <a:lnRef idx="2">
-            <a:schemeClr val="accent1">
-              <a:shade val="50000"/>
-            </a:schemeClr>
-          </a:lnRef>
-          <a:fillRef idx="1">
-            <a:schemeClr val="accent1"/>
-          </a:fillRef>
-          <a:effectRef idx="0">
-            <a:schemeClr val="accent1"/>
-          </a:effectRef>
-          <a:fontRef idx="minor">
-            <a:schemeClr val="lt1"/>
-          </a:fontRef>
-        </p:style>
-        <p:txBody>
-          <a:bodyPr anchor="t"/>
-          <a:lstStyle/>
-          <a:p>
-            <a:pPr algn="ctr" latinLnBrk="0">
-              <a:lnSpc>
-                <a:spcPct val="150000"/>
-              </a:lnSpc>
-              <a:defRPr/>
-            </a:pPr>
-            <a:endParaRPr lang="ko-KR" altLang="en-US" sz="2800" b="1" i="1" kern="0">
-              <a:solidFill>
-                <a:prstClr val="black">
-                  <a:lumMod val="50000"/>
-                  <a:lumOff val="50000"/>
-                </a:prstClr>
-              </a:solidFill>
-            </a:endParaRPr>
-          </a:p>
-        </p:txBody>
-      </p:sp>
-      <p:sp>
-        <p:nvSpPr>
-          <p:cNvPr id="18" name="직사각형 17"/>
-          <p:cNvSpPr/>
-          <p:nvPr/>
-        </p:nvSpPr>
-        <p:spPr>
-          <a:xfrm>
-            <a:off x="1864899" y="2613672"/>
-            <a:ext cx="8462202" cy="1920131"/>
-          </a:xfrm>
-          <a:prstGeom prst="rect">
-            <a:avLst/>
-          </a:prstGeom>
-        </p:spPr>
-        <p:txBody>
-          <a:bodyPr wrap="square">
-            <a:spAutoFit/>
-          </a:bodyPr>
-          <a:lstStyle/>
-          <a:p>
-            <a:pPr algn="ctr">
-              <a:lnSpc>
-                <a:spcPct val="130000"/>
-              </a:lnSpc>
-              <a:defRPr/>
-            </a:pPr>
-            <a:r>
-              <a:rPr lang="ko-KR" altLang="en-US" sz="2000">
-                <a:solidFill>
-                  <a:prstClr val="black">
-                    <a:lumMod val="75000"/>
-                    <a:lumOff val="25000"/>
-                  </a:prstClr>
-                </a:solidFill>
-              </a:rPr>
-              <a:t>피부 고민과 시술에 관심이 많은 </a:t>
-            </a:r>
-            <a:r>
-              <a:rPr lang="ko-KR" altLang="en-US" sz="2300" b="1">
-                <a:solidFill>
-                  <a:srgbClr val="ff9999"/>
-                </a:solidFill>
-              </a:rPr>
-              <a:t>20대</a:t>
-            </a:r>
-            <a:r>
-              <a:rPr lang="ko-KR" altLang="en-US" sz="2000">
-                <a:solidFill>
-                  <a:prstClr val="black">
-                    <a:lumMod val="75000"/>
-                    <a:lumOff val="25000"/>
-                  </a:prstClr>
-                </a:solidFill>
-              </a:rPr>
-              <a:t>의</a:t>
-            </a:r>
-            <a:endParaRPr lang="ko-KR" altLang="en-US" sz="2000">
-              <a:solidFill>
-                <a:prstClr val="black">
-                  <a:lumMod val="75000"/>
-                  <a:lumOff val="25000"/>
-                </a:prstClr>
-              </a:solidFill>
-            </a:endParaRPr>
-          </a:p>
-          <a:p>
-            <a:pPr algn="ctr">
-              <a:lnSpc>
-                <a:spcPct val="130000"/>
-              </a:lnSpc>
-              <a:defRPr/>
-            </a:pPr>
-            <a:r>
-              <a:rPr lang="ko-KR" altLang="en-US" sz="2000">
-                <a:solidFill>
-                  <a:prstClr val="black">
-                    <a:lumMod val="75000"/>
-                    <a:lumOff val="25000"/>
-                  </a:prstClr>
-                </a:solidFill>
-              </a:rPr>
-              <a:t> </a:t>
-            </a:r>
-            <a:r>
-              <a:rPr lang="ko-KR" altLang="en-US" sz="2300" b="1">
-                <a:solidFill>
-                  <a:srgbClr val="ff9999"/>
-                </a:solidFill>
-              </a:rPr>
-              <a:t>남녀</a:t>
-            </a:r>
-            <a:r>
-              <a:rPr lang="ko-KR" altLang="en-US" sz="2000">
-                <a:solidFill>
-                  <a:prstClr val="black">
-                    <a:lumMod val="75000"/>
-                    <a:lumOff val="25000"/>
-                  </a:prstClr>
-                </a:solidFill>
-              </a:rPr>
-              <a:t> 모두가 주타겟층이며 가격 부담을 줄이기 위해 </a:t>
-            </a:r>
-            <a:endParaRPr lang="ko-KR" altLang="en-US" sz="2000">
-              <a:solidFill>
-                <a:prstClr val="black">
-                  <a:lumMod val="75000"/>
-                  <a:lumOff val="25000"/>
-                </a:prstClr>
-              </a:solidFill>
-            </a:endParaRPr>
-          </a:p>
-          <a:p>
-            <a:pPr algn="ctr">
-              <a:lnSpc>
-                <a:spcPct val="150000"/>
-              </a:lnSpc>
-              <a:defRPr/>
-            </a:pPr>
-            <a:r>
-              <a:rPr lang="ko-KR" altLang="en-US" sz="2000">
-                <a:solidFill>
-                  <a:prstClr val="black">
-                    <a:lumMod val="75000"/>
-                    <a:lumOff val="25000"/>
-                  </a:prstClr>
-                </a:solidFill>
-              </a:rPr>
-              <a:t>저가와 중저가의 가격으로만 이루었다. </a:t>
-            </a:r>
-            <a:endParaRPr lang="ko-KR" altLang="en-US" sz="2000">
-              <a:solidFill>
-                <a:prstClr val="black">
-                  <a:lumMod val="75000"/>
-                  <a:lumOff val="25000"/>
-                </a:prstClr>
-              </a:solidFill>
-            </a:endParaRPr>
-          </a:p>
-          <a:p>
-            <a:pPr algn="ctr">
-              <a:lnSpc>
-                <a:spcPct val="150000"/>
-              </a:lnSpc>
-              <a:defRPr/>
-            </a:pPr>
-            <a:r>
-              <a:rPr lang="ko-KR" altLang="en-US" sz="2000">
-                <a:solidFill>
-                  <a:prstClr val="black">
-                    <a:lumMod val="75000"/>
-                    <a:lumOff val="25000"/>
-                  </a:prstClr>
-                </a:solidFill>
-              </a:rPr>
-              <a:t>브랜드 이미지 또한 밝고 부드러운 이미지로 방향을 잡았다.</a:t>
-            </a:r>
-            <a:endParaRPr lang="ko-KR" altLang="en-US" sz="2000">
-              <a:solidFill>
-                <a:prstClr val="black">
-                  <a:lumMod val="75000"/>
-                  <a:lumOff val="25000"/>
-                </a:prstClr>
-              </a:solidFill>
-            </a:endParaRPr>
-          </a:p>
-        </p:txBody>
-      </p:sp>
-      <p:sp>
-        <p:nvSpPr>
-          <p:cNvPr id="20" name="직사각형 55"/>
-          <p:cNvSpPr/>
-          <p:nvPr/>
-        </p:nvSpPr>
-        <p:spPr>
-          <a:xfrm>
-            <a:off x="653251" y="610602"/>
-            <a:ext cx="10885496" cy="720993"/>
-          </a:xfrm>
-          <a:prstGeom prst="rect">
-            <a:avLst/>
-          </a:prstGeom>
-        </p:spPr>
-        <p:txBody>
-          <a:bodyPr wrap="square">
-            <a:spAutoFit/>
-          </a:bodyPr>
-          <a:lstStyle/>
-          <a:p>
-            <a:pPr lvl="0">
-              <a:defRPr/>
-            </a:pPr>
-            <a:r>
-              <a:rPr lang="en-US" altLang="ko-KR" sz="4200" b="1" i="1">
-                <a:solidFill>
-                  <a:srgbClr val="ff9999"/>
-                </a:solidFill>
-              </a:rPr>
-              <a:t>The Care</a:t>
-            </a:r>
-            <a:r>
-              <a:rPr lang="ko-KR" altLang="en-US" sz="4200" b="1" i="1">
-                <a:solidFill>
-                  <a:srgbClr val="ff9999"/>
-                </a:solidFill>
-              </a:rPr>
-              <a:t>의 타겟층</a:t>
-            </a:r>
-            <a:endParaRPr lang="ko-KR" altLang="en-US" sz="4200" b="1" i="1">
-              <a:solidFill>
-                <a:srgbClr val="ff9999"/>
-              </a:solidFill>
-            </a:endParaRPr>
-          </a:p>
-        </p:txBody>
-      </p:sp>
-    </p:spTree>
-  </p:cSld>
-  <p:clrMapOvr>
-    <a:masterClrMapping/>
-  </p:clrMapOvr>
-  <mc:AlternateContent xmlns:mc="http://schemas.openxmlformats.org/markup-compatibility/2006">
-    <mc:Choice xmlns:p14="http://schemas.microsoft.com/office/powerpoint/2010/main" Requires="p14">
-      <p:transition xmlns:mc="http://schemas.openxmlformats.org/markup-compatibility/2006" xmlns:p14="http://schemas.microsoft.com/office/powerpoint/2010/main" mc:Ignorable="p14" p14:dur="500"/>
-    </mc:Choice>
-    <mc:Fallback>
-      <p:transition/>
-    </mc:Fallback>
-  </mc:AlternateContent>
-</p:sld>
-</file>
-
-<file path=ppt/slides/slide5.xml><?xml version="1.0" encoding="utf-8"?>
-<p:sld xmlns:r="http://schemas.openxmlformats.org/officeDocument/2006/relationships" xmlns:c="http://schemas.openxmlformats.org/drawingml/2006/chart" xmlns:a="http://schemas.openxmlformats.org/drawingml/2006/main" xmlns:dgm="http://schemas.openxmlformats.org/drawingml/2006/diagram" xmlns:dsp="http://schemas.microsoft.com/office/drawing/2008/diagram" xmlns:p="http://schemas.openxmlformats.org/presentationml/2006/main">
-  <p:cSld>
-    <p:bg>
-      <p:bgPr shadeToTitle="0">
-        <a:gradFill>
-          <a:gsLst>
-            <a:gs pos="50000">
-              <a:srgbClr val="b3acb3"/>
-            </a:gs>
-            <a:gs pos="50000">
-              <a:srgbClr val="f8e9e8"/>
-            </a:gs>
-          </a:gsLst>
-          <a:lin ang="6600000" scaled="0"/>
-        </a:gradFill>
-      </p:bgPr>
-    </p:bg>
-    <p:spTree>
-      <p:nvGrpSpPr>
-        <p:cNvPr id="1" name=""/>
-        <p:cNvGrpSpPr/>
-        <p:nvPr/>
-      </p:nvGrpSpPr>
-      <p:grpSpPr>
-        <a:xfrm>
-          <a:off x="0" y="0"/>
-          <a:ext cx="0" cy="0"/>
-          <a:chOff x="0" y="0"/>
-          <a:chExt cx="0" cy="0"/>
-        </a:xfrm>
-      </p:grpSpPr>
-      <p:sp>
-        <p:nvSpPr>
-          <p:cNvPr id="3" name="직사각형 2"/>
-          <p:cNvSpPr/>
-          <p:nvPr/>
-        </p:nvSpPr>
-        <p:spPr>
-          <a:xfrm>
-            <a:off x="409575" y="419993"/>
-            <a:ext cx="11372850" cy="6018014"/>
-          </a:xfrm>
-          <a:prstGeom prst="rect">
-            <a:avLst/>
-          </a:prstGeom>
-          <a:solidFill>
-            <a:schemeClr val="bg1"/>
-          </a:solidFill>
-          <a:ln w="187325">
-            <a:gradFill>
-              <a:gsLst>
-                <a:gs pos="50000">
-                  <a:srgbClr val="efccca"/>
-                </a:gs>
-                <a:gs pos="50000">
-                  <a:schemeClr val="bg1">
-                    <a:lumMod val="85000"/>
-                  </a:schemeClr>
-                </a:gs>
-              </a:gsLst>
-              <a:lin ang="6600000" scaled="0"/>
-            </a:gradFill>
-          </a:ln>
-          <a:effectLst>
-            <a:outerShdw blurRad="431800" dist="241300" dir="5400000" sx="97000" sy="97000" algn="t" rotWithShape="0">
-              <a:prstClr val="black">
-                <a:alpha val="31000"/>
-              </a:prstClr>
-            </a:outerShdw>
-          </a:effectLst>
-        </p:spPr>
-        <p:style>
-          <a:lnRef idx="2">
-            <a:schemeClr val="accent1">
-              <a:shade val="50000"/>
-            </a:schemeClr>
-          </a:lnRef>
-          <a:fillRef idx="1">
-            <a:schemeClr val="accent1"/>
-          </a:fillRef>
-          <a:effectRef idx="0">
-            <a:schemeClr val="accent1"/>
-          </a:effectRef>
-          <a:fontRef idx="minor">
-            <a:schemeClr val="lt1"/>
-          </a:fontRef>
-        </p:style>
-        <p:txBody>
-          <a:bodyPr anchor="t"/>
-          <a:lstStyle/>
-          <a:p>
-            <a:pPr algn="ctr" latinLnBrk="0">
-              <a:lnSpc>
-                <a:spcPct val="150000"/>
-              </a:lnSpc>
-              <a:defRPr/>
-            </a:pPr>
-            <a:endParaRPr lang="ko-KR" altLang="en-US" sz="2800" b="1" i="1" kern="0">
-              <a:solidFill>
-                <a:prstClr val="black">
-                  <a:lumMod val="50000"/>
-                  <a:lumOff val="50000"/>
-                </a:prstClr>
-              </a:solidFill>
-            </a:endParaRPr>
-          </a:p>
-        </p:txBody>
-      </p:sp>
-      <p:sp>
-        <p:nvSpPr>
-          <p:cNvPr id="56" name="직사각형 55"/>
-          <p:cNvSpPr/>
-          <p:nvPr/>
-        </p:nvSpPr>
-        <p:spPr>
-          <a:xfrm>
-            <a:off x="653251" y="677277"/>
-            <a:ext cx="10885496" cy="720993"/>
-          </a:xfrm>
-          <a:prstGeom prst="rect">
-            <a:avLst/>
-          </a:prstGeom>
-        </p:spPr>
-        <p:txBody>
-          <a:bodyPr wrap="square">
-            <a:spAutoFit/>
-          </a:bodyPr>
-          <a:lstStyle/>
-          <a:p>
-            <a:pPr lvl="0">
-              <a:defRPr/>
-            </a:pPr>
-            <a:r>
-              <a:rPr lang="ko-KR" altLang="en-US" sz="4200" b="1" i="1">
-                <a:solidFill>
-                  <a:srgbClr val="ff9999"/>
-                </a:solidFill>
-              </a:rPr>
-              <a:t>차별화</a:t>
-            </a:r>
-            <a:endParaRPr lang="ko-KR" altLang="en-US" sz="4200" b="1" i="1">
-              <a:solidFill>
-                <a:srgbClr val="ff9999"/>
-              </a:solidFill>
-            </a:endParaRPr>
-          </a:p>
-        </p:txBody>
-      </p:sp>
-      <p:cxnSp>
-        <p:nvCxnSpPr>
-          <p:cNvPr id="69" name=""/>
-          <p:cNvCxnSpPr/>
-          <p:nvPr/>
-        </p:nvCxnSpPr>
-        <p:spPr>
-          <a:xfrm rot="16200000" flipH="1">
-            <a:off x="5460656" y="2974210"/>
-            <a:ext cx="906110" cy="0"/>
-          </a:xfrm>
-          <a:prstGeom prst="line">
-            <a:avLst/>
-          </a:prstGeom>
-        </p:spPr>
-        <p:style>
-          <a:lnRef idx="1">
-            <a:schemeClr val="accent1"/>
-          </a:lnRef>
-          <a:fillRef idx="0">
-            <a:schemeClr val="accent1"/>
-          </a:fillRef>
-          <a:effectRef idx="0">
-            <a:schemeClr val="accent1"/>
-          </a:effectRef>
-          <a:fontRef idx="minor">
-            <a:schemeClr val="tx1"/>
-          </a:fontRef>
-        </p:style>
-      </p:cxnSp>
-      <p:cxnSp>
-        <p:nvCxnSpPr>
-          <p:cNvPr id="70" name=""/>
-          <p:cNvCxnSpPr/>
-          <p:nvPr/>
-        </p:nvCxnSpPr>
-        <p:spPr>
-          <a:xfrm rot="10800000">
-            <a:off x="2198181" y="3401681"/>
-            <a:ext cx="3721723" cy="0"/>
-          </a:xfrm>
-          <a:prstGeom prst="line">
-            <a:avLst/>
-          </a:prstGeom>
-        </p:spPr>
-        <p:style>
-          <a:lnRef idx="1">
-            <a:schemeClr val="accent1"/>
-          </a:lnRef>
-          <a:fillRef idx="0">
-            <a:schemeClr val="accent1"/>
-          </a:fillRef>
-          <a:effectRef idx="0">
-            <a:schemeClr val="accent1"/>
-          </a:effectRef>
-          <a:fontRef idx="minor">
-            <a:schemeClr val="tx1"/>
-          </a:fontRef>
-        </p:style>
-      </p:cxnSp>
-      <p:cxnSp>
-        <p:nvCxnSpPr>
-          <p:cNvPr id="71" name=""/>
-          <p:cNvCxnSpPr/>
-          <p:nvPr/>
-        </p:nvCxnSpPr>
-        <p:spPr>
-          <a:xfrm rot="10800000">
-            <a:off x="5920648" y="3400316"/>
-            <a:ext cx="4257039" cy="0"/>
-          </a:xfrm>
-          <a:prstGeom prst="line">
-            <a:avLst/>
-          </a:prstGeom>
-        </p:spPr>
-        <p:style>
-          <a:lnRef idx="1">
-            <a:schemeClr val="accent1"/>
-          </a:lnRef>
-          <a:fillRef idx="0">
-            <a:schemeClr val="accent1"/>
-          </a:fillRef>
-          <a:effectRef idx="0">
-            <a:schemeClr val="accent1"/>
-          </a:effectRef>
-          <a:fontRef idx="minor">
-            <a:schemeClr val="tx1"/>
-          </a:fontRef>
-        </p:style>
-      </p:cxnSp>
-      <p:cxnSp>
-        <p:nvCxnSpPr>
-          <p:cNvPr id="74" name=""/>
-          <p:cNvCxnSpPr/>
-          <p:nvPr/>
-        </p:nvCxnSpPr>
-        <p:spPr>
-          <a:xfrm rot="16200000" flipH="1">
-            <a:off x="1741604" y="3853788"/>
-            <a:ext cx="906110" cy="0"/>
-          </a:xfrm>
-          <a:prstGeom prst="line">
-            <a:avLst/>
-          </a:prstGeom>
-        </p:spPr>
-        <p:style>
-          <a:lnRef idx="1">
-            <a:schemeClr val="accent1"/>
-          </a:lnRef>
-          <a:fillRef idx="0">
-            <a:schemeClr val="accent1"/>
-          </a:fillRef>
-          <a:effectRef idx="0">
-            <a:schemeClr val="accent1"/>
-          </a:effectRef>
-          <a:fontRef idx="minor">
-            <a:schemeClr val="tx1"/>
-          </a:fontRef>
-        </p:style>
-      </p:cxnSp>
-      <p:cxnSp>
-        <p:nvCxnSpPr>
-          <p:cNvPr id="75" name=""/>
-          <p:cNvCxnSpPr/>
-          <p:nvPr/>
-        </p:nvCxnSpPr>
-        <p:spPr>
-          <a:xfrm rot="16200000" flipH="1">
-            <a:off x="5458200" y="3811591"/>
-            <a:ext cx="906110" cy="0"/>
-          </a:xfrm>
-          <a:prstGeom prst="line">
-            <a:avLst/>
-          </a:prstGeom>
-        </p:spPr>
-        <p:style>
-          <a:lnRef idx="1">
-            <a:schemeClr val="accent1"/>
-          </a:lnRef>
-          <a:fillRef idx="0">
-            <a:schemeClr val="accent1"/>
-          </a:fillRef>
-          <a:effectRef idx="0">
-            <a:schemeClr val="accent1"/>
-          </a:effectRef>
-          <a:fontRef idx="minor">
-            <a:schemeClr val="tx1"/>
-          </a:fontRef>
-        </p:style>
-      </p:cxnSp>
-      <p:cxnSp>
-        <p:nvCxnSpPr>
-          <p:cNvPr id="76" name=""/>
-          <p:cNvCxnSpPr/>
-          <p:nvPr/>
-        </p:nvCxnSpPr>
-        <p:spPr>
-          <a:xfrm rot="16200000" flipH="1">
-            <a:off x="9717613" y="3882055"/>
-            <a:ext cx="906110" cy="0"/>
-          </a:xfrm>
-          <a:prstGeom prst="line">
-            <a:avLst/>
-          </a:prstGeom>
-        </p:spPr>
-        <p:style>
-          <a:lnRef idx="1">
-            <a:schemeClr val="accent1"/>
-          </a:lnRef>
-          <a:fillRef idx="0">
-            <a:schemeClr val="accent1"/>
-          </a:fillRef>
-          <a:effectRef idx="0">
-            <a:schemeClr val="accent1"/>
-          </a:effectRef>
-          <a:fontRef idx="minor">
-            <a:schemeClr val="tx1"/>
-          </a:fontRef>
-        </p:style>
-      </p:cxnSp>
-      <p:sp>
-        <p:nvSpPr>
-          <p:cNvPr id="77" name=""/>
-          <p:cNvSpPr txBox="1"/>
-          <p:nvPr/>
-        </p:nvSpPr>
-        <p:spPr>
-          <a:xfrm>
-            <a:off x="1513510" y="5237871"/>
-            <a:ext cx="1464005" cy="453165"/>
-          </a:xfrm>
-          <a:prstGeom prst="rect">
-            <a:avLst/>
-          </a:prstGeom>
-        </p:spPr>
-        <p:txBody>
-          <a:bodyPr wrap="none">
-            <a:spAutoFit/>
-          </a:bodyPr>
-          <a:p>
-            <a:pPr>
-              <a:defRPr/>
-            </a:pPr>
-            <a:r>
-              <a:rPr kumimoji="0" lang="ko-KR" altLang="en-US" sz="2400" b="1" i="0" u="none" strike="noStrike" kern="1200" cap="none" spc="0" normalizeH="0" baseline="0">
-                <a:solidFill>
-                  <a:schemeClr val="tx1"/>
-                </a:solidFill>
-                <a:latin typeface="1훈정글북 Regular"/>
-                <a:ea typeface="1훈정글북 Regular"/>
-              </a:rPr>
-              <a:t>피부 타입</a:t>
-            </a:r>
-            <a:endParaRPr lang="ko-KR" altLang="en-US" b="1"/>
-          </a:p>
-        </p:txBody>
-      </p:sp>
-      <p:sp>
-        <p:nvSpPr>
-          <p:cNvPr id="78" name=""/>
-          <p:cNvSpPr txBox="1"/>
-          <p:nvPr/>
-        </p:nvSpPr>
-        <p:spPr>
-          <a:xfrm>
-            <a:off x="4925817" y="5237870"/>
-            <a:ext cx="2053590" cy="453166"/>
-          </a:xfrm>
-          <a:prstGeom prst="rect">
-            <a:avLst/>
-          </a:prstGeom>
-        </p:spPr>
-        <p:txBody>
-          <a:bodyPr wrap="none">
-            <a:spAutoFit/>
-          </a:bodyPr>
-          <a:p>
-            <a:pPr>
-              <a:defRPr/>
-            </a:pPr>
-            <a:r>
-              <a:rPr kumimoji="0" lang="ko-KR" altLang="en-US" sz="2400" b="1" i="0" u="none" strike="noStrike" kern="1200" cap="none" spc="0" normalizeH="0" baseline="0">
-                <a:solidFill>
-                  <a:schemeClr val="tx1"/>
-                </a:solidFill>
-                <a:latin typeface="1훈정글북 Regular"/>
-                <a:ea typeface="1훈정글북 Regular"/>
-              </a:rPr>
-              <a:t>관리법을 제공</a:t>
-            </a:r>
-            <a:endParaRPr lang="ko-KR" altLang="en-US" b="1"/>
-          </a:p>
-        </p:txBody>
-      </p:sp>
-      <p:pic>
-        <p:nvPicPr>
-          <p:cNvPr id="80" name=""/>
-          <p:cNvPicPr>
-            <a:picLocks noChangeAspect="1"/>
-          </p:cNvPicPr>
-          <p:nvPr/>
-        </p:nvPicPr>
-        <p:blipFill rotWithShape="1">
-          <a:blip r:embed="rId2"/>
-          <a:stretch>
-            <a:fillRect/>
-          </a:stretch>
-        </p:blipFill>
-        <p:spPr>
-          <a:xfrm>
-            <a:off x="1794387" y="4354111"/>
-            <a:ext cx="789656" cy="789656"/>
-          </a:xfrm>
-          <a:prstGeom prst="rect">
-            <a:avLst/>
-          </a:prstGeom>
-        </p:spPr>
-      </p:pic>
-      <p:pic>
-        <p:nvPicPr>
-          <p:cNvPr id="81" name=""/>
-          <p:cNvPicPr>
-            <a:picLocks noChangeAspect="1"/>
-          </p:cNvPicPr>
-          <p:nvPr/>
-        </p:nvPicPr>
-        <p:blipFill rotWithShape="1">
-          <a:blip r:embed="rId3"/>
-          <a:stretch>
-            <a:fillRect/>
-          </a:stretch>
-        </p:blipFill>
-        <p:spPr>
-          <a:xfrm>
-            <a:off x="9774904" y="4387401"/>
-            <a:ext cx="764047" cy="764047"/>
-          </a:xfrm>
-          <a:prstGeom prst="rect">
-            <a:avLst/>
-          </a:prstGeom>
-        </p:spPr>
-      </p:pic>
-      <p:pic>
-        <p:nvPicPr>
-          <p:cNvPr id="82" name=""/>
-          <p:cNvPicPr>
-            <a:picLocks noChangeAspect="1"/>
-          </p:cNvPicPr>
-          <p:nvPr/>
-        </p:nvPicPr>
-        <p:blipFill rotWithShape="1">
-          <a:blip r:embed="rId4"/>
-          <a:stretch>
-            <a:fillRect/>
-          </a:stretch>
-        </p:blipFill>
-        <p:spPr>
-          <a:xfrm>
-            <a:off x="5547543" y="4338751"/>
-            <a:ext cx="779418" cy="779418"/>
-          </a:xfrm>
-          <a:prstGeom prst="rect">
-            <a:avLst/>
-          </a:prstGeom>
-        </p:spPr>
-      </p:pic>
-      <p:sp>
-        <p:nvSpPr>
-          <p:cNvPr id="83" name=""/>
-          <p:cNvSpPr txBox="1"/>
-          <p:nvPr/>
-        </p:nvSpPr>
-        <p:spPr>
-          <a:xfrm>
-            <a:off x="8975480" y="5289079"/>
-            <a:ext cx="2434590" cy="452591"/>
-          </a:xfrm>
-          <a:prstGeom prst="rect">
-            <a:avLst/>
-          </a:prstGeom>
-        </p:spPr>
-        <p:txBody>
-          <a:bodyPr wrap="square">
-            <a:spAutoFit/>
-          </a:bodyPr>
-          <a:p>
-            <a:pPr>
-              <a:defRPr/>
-            </a:pPr>
-            <a:r>
-              <a:rPr kumimoji="0" lang="ko-KR" altLang="en-US" sz="2400" b="1" i="0" u="none" strike="noStrike" kern="1200" cap="none" spc="0" normalizeH="0" baseline="0">
-                <a:solidFill>
-                  <a:schemeClr val="tx1"/>
-                </a:solidFill>
-                <a:latin typeface="1훈정글북 Regular"/>
-                <a:ea typeface="1훈정글북 Regular"/>
-              </a:rPr>
-              <a:t>관리법 후기 공유</a:t>
-            </a:r>
-            <a:endParaRPr lang="ko-KR" altLang="en-US" b="1"/>
-          </a:p>
-        </p:txBody>
-      </p:sp>
-      <p:sp>
-        <p:nvSpPr>
-          <p:cNvPr id="84" name=""/>
-          <p:cNvSpPr txBox="1"/>
-          <p:nvPr/>
-        </p:nvSpPr>
-        <p:spPr>
-          <a:xfrm>
-            <a:off x="4302037" y="1888755"/>
-            <a:ext cx="3260183" cy="548315"/>
-          </a:xfrm>
-          <a:prstGeom prst="rect">
-            <a:avLst/>
-          </a:prstGeom>
-        </p:spPr>
-        <p:txBody>
-          <a:bodyPr wrap="square">
-            <a:spAutoFit/>
-          </a:bodyPr>
-          <a:p>
-            <a:pPr algn="ctr">
-              <a:defRPr/>
-            </a:pPr>
-            <a:r>
-              <a:rPr lang="en-US" altLang="ko-KR" sz="3000" b="1">
-                <a:solidFill>
-                  <a:srgbClr val="e9b7b5"/>
-                </a:solidFill>
-              </a:rPr>
-              <a:t>The Care</a:t>
-            </a:r>
-            <a:endParaRPr lang="ko-KR" altLang="en-US" sz="3000"/>
-          </a:p>
-        </p:txBody>
-      </p:sp>
-      <p:pic>
-        <p:nvPicPr>
-          <p:cNvPr id="85" name=""/>
-          <p:cNvPicPr>
-            <a:picLocks noChangeAspect="1"/>
-          </p:cNvPicPr>
-          <p:nvPr/>
-        </p:nvPicPr>
-        <p:blipFill rotWithShape="1">
-          <a:blip r:embed="rId5"/>
-          <a:srcRect r="58650"/>
-          <a:stretch>
-            <a:fillRect/>
-          </a:stretch>
-        </p:blipFill>
-        <p:spPr>
-          <a:xfrm>
-            <a:off x="5527021" y="934132"/>
-            <a:ext cx="845510" cy="940505"/>
-          </a:xfrm>
-          <a:prstGeom prst="rect">
-            <a:avLst/>
-          </a:prstGeom>
-        </p:spPr>
-      </p:pic>
-    </p:spTree>
-  </p:cSld>
-  <p:clrMapOvr>
-    <a:masterClrMapping/>
-  </p:clrMapOvr>
-  <mc:AlternateContent xmlns:mc="http://schemas.openxmlformats.org/markup-compatibility/2006">
-    <mc:Choice xmlns:p14="http://schemas.microsoft.com/office/powerpoint/2010/main" Requires="p14">
-      <p:transition xmlns:mc="http://schemas.openxmlformats.org/markup-compatibility/2006" xmlns:p14="http://schemas.microsoft.com/office/powerpoint/2010/main" mc:Ignorable="p14" p14:dur="500"/>
-    </mc:Choice>
-    <mc:Fallback>
-      <p:transition/>
-    </mc:Fallback>
-  </mc:AlternateContent>
-</p:sld>
-</file>
-
-<file path=ppt/slides/slide6.xml><?xml version="1.0" encoding="utf-8"?>
 <p:sld xmlns:r="http://schemas.openxmlformats.org/officeDocument/2006/relationships" xmlns:c="http://schemas.openxmlformats.org/drawingml/2006/chart" xmlns:a="http://schemas.openxmlformats.org/drawingml/2006/main" xmlns:dgm="http://schemas.openxmlformats.org/drawingml/2006/diagram" xmlns:dsp="http://schemas.microsoft.com/office/drawing/2008/diagram" xmlns:p="http://schemas.openxmlformats.org/presentationml/2006/main">
   <p:cSld>
     <p:bg>
@@ -9562,7 +8913,7 @@
       </p:sp>
       <p:pic>
         <p:nvPicPr>
-          <p:cNvPr id="81" name=""/>
+          <p:cNvPr id="86" name=""/>
           <p:cNvPicPr>
             <a:picLocks noChangeAspect="1"/>
           </p:cNvPicPr>
@@ -9576,8 +8927,8 @@
         </p:blipFill>
         <p:spPr>
           <a:xfrm>
-            <a:off x="2077432" y="916882"/>
-            <a:ext cx="8037135" cy="5024235"/>
+            <a:off x="2032631" y="1017269"/>
+            <a:ext cx="8126737" cy="5090160"/>
           </a:xfrm>
           <a:prstGeom prst="rect">
             <a:avLst/>
@@ -9614,7 +8965,196 @@
                   <a:srgbClr val="ff9999"/>
                 </a:solidFill>
               </a:rPr>
-              <a:t>사이트맵</a:t>
+              <a:t>변경 전 사이트맵</a:t>
+            </a:r>
+            <a:endParaRPr lang="ko-KR" altLang="en-US" sz="4200" b="1" i="1">
+              <a:solidFill>
+                <a:srgbClr val="ff9999"/>
+              </a:solidFill>
+            </a:endParaRPr>
+          </a:p>
+        </p:txBody>
+      </p:sp>
+    </p:spTree>
+  </p:cSld>
+  <p:clrMapOvr>
+    <a:masterClrMapping/>
+  </p:clrMapOvr>
+  <mc:AlternateContent xmlns:mc="http://schemas.openxmlformats.org/markup-compatibility/2006">
+    <mc:Choice xmlns:p14="http://schemas.microsoft.com/office/powerpoint/2010/main" Requires="p14">
+      <p:transition xmlns:mc="http://schemas.openxmlformats.org/markup-compatibility/2006" xmlns:p14="http://schemas.microsoft.com/office/powerpoint/2010/main" mc:Ignorable="p14" p14:dur="500"/>
+    </mc:Choice>
+    <mc:Fallback>
+      <p:transition/>
+    </mc:Fallback>
+  </mc:AlternateContent>
+</p:sld>
+</file>
+
+<file path=ppt/slides/slide5.xml><?xml version="1.0" encoding="utf-8"?>
+<p:sld xmlns:r="http://schemas.openxmlformats.org/officeDocument/2006/relationships" xmlns:c="http://schemas.openxmlformats.org/drawingml/2006/chart" xmlns:a="http://schemas.openxmlformats.org/drawingml/2006/main" xmlns:dgm="http://schemas.openxmlformats.org/drawingml/2006/diagram" xmlns:dsp="http://schemas.microsoft.com/office/drawing/2008/diagram" xmlns:p="http://schemas.openxmlformats.org/presentationml/2006/main">
+  <p:cSld>
+    <p:bg>
+      <p:bgPr shadeToTitle="0">
+        <a:gradFill>
+          <a:gsLst>
+            <a:gs pos="50000">
+              <a:srgbClr val="b3acb3"/>
+            </a:gs>
+            <a:gs pos="50000">
+              <a:srgbClr val="f8e9e8"/>
+            </a:gs>
+          </a:gsLst>
+          <a:lin ang="6600000" scaled="0"/>
+        </a:gradFill>
+      </p:bgPr>
+    </p:bg>
+    <p:spTree>
+      <p:nvGrpSpPr>
+        <p:cNvPr id="1" name=""/>
+        <p:cNvGrpSpPr/>
+        <p:nvPr/>
+      </p:nvGrpSpPr>
+      <p:grpSpPr>
+        <a:xfrm>
+          <a:off x="0" y="0"/>
+          <a:ext cx="0" cy="0"/>
+          <a:chOff x="0" y="0"/>
+          <a:chExt cx="0" cy="0"/>
+        </a:xfrm>
+      </p:grpSpPr>
+      <p:sp>
+        <p:nvSpPr>
+          <p:cNvPr id="3" name="직사각형 2"/>
+          <p:cNvSpPr/>
+          <p:nvPr/>
+        </p:nvSpPr>
+        <p:spPr>
+          <a:xfrm>
+            <a:off x="428625" y="419993"/>
+            <a:ext cx="11372850" cy="6018014"/>
+          </a:xfrm>
+          <a:prstGeom prst="rect">
+            <a:avLst/>
+          </a:prstGeom>
+          <a:solidFill>
+            <a:schemeClr val="bg1"/>
+          </a:solidFill>
+          <a:ln w="187325">
+            <a:gradFill>
+              <a:gsLst>
+                <a:gs pos="50000">
+                  <a:srgbClr val="efccca"/>
+                </a:gs>
+                <a:gs pos="50000">
+                  <a:schemeClr val="bg1">
+                    <a:lumMod val="85000"/>
+                  </a:schemeClr>
+                </a:gs>
+              </a:gsLst>
+              <a:lin ang="6600000" scaled="0"/>
+            </a:gradFill>
+          </a:ln>
+          <a:effectLst>
+            <a:outerShdw blurRad="431800" dist="241300" dir="5400000" sx="97000" sy="97000" algn="t" rotWithShape="0">
+              <a:prstClr val="black">
+                <a:alpha val="31000"/>
+              </a:prstClr>
+            </a:outerShdw>
+          </a:effectLst>
+        </p:spPr>
+        <p:style>
+          <a:lnRef idx="2">
+            <a:schemeClr val="accent1">
+              <a:shade val="50000"/>
+            </a:schemeClr>
+          </a:lnRef>
+          <a:fillRef idx="1">
+            <a:schemeClr val="accent1"/>
+          </a:fillRef>
+          <a:effectRef idx="0">
+            <a:schemeClr val="accent1"/>
+          </a:effectRef>
+          <a:fontRef idx="minor">
+            <a:schemeClr val="lt1"/>
+          </a:fontRef>
+        </p:style>
+        <p:txBody>
+          <a:bodyPr anchor="t"/>
+          <a:lstStyle/>
+          <a:p>
+            <a:pPr algn="ctr" latinLnBrk="0">
+              <a:lnSpc>
+                <a:spcPct val="150000"/>
+              </a:lnSpc>
+              <a:defRPr/>
+            </a:pPr>
+            <a:endParaRPr lang="ko-KR" altLang="en-US" sz="2800" b="1" i="1" kern="0">
+              <a:solidFill>
+                <a:prstClr val="black">
+                  <a:lumMod val="50000"/>
+                  <a:lumOff val="50000"/>
+                </a:prstClr>
+              </a:solidFill>
+            </a:endParaRPr>
+          </a:p>
+        </p:txBody>
+      </p:sp>
+      <p:pic>
+        <p:nvPicPr>
+          <p:cNvPr id="82" name=""/>
+          <p:cNvPicPr>
+            <a:picLocks noChangeAspect="1"/>
+          </p:cNvPicPr>
+          <p:nvPr/>
+        </p:nvPicPr>
+        <p:blipFill rotWithShape="1">
+          <a:blip r:embed="rId2"/>
+          <a:stretch>
+            <a:fillRect/>
+          </a:stretch>
+        </p:blipFill>
+        <p:spPr>
+          <a:xfrm>
+            <a:off x="1854151" y="879040"/>
+            <a:ext cx="8483698" cy="5309469"/>
+          </a:xfrm>
+          <a:prstGeom prst="rect">
+            <a:avLst/>
+          </a:prstGeom>
+        </p:spPr>
+      </p:pic>
+      <p:sp>
+        <p:nvSpPr>
+          <p:cNvPr id="56" name="직사각형 55"/>
+          <p:cNvSpPr/>
+          <p:nvPr/>
+        </p:nvSpPr>
+        <p:spPr>
+          <a:xfrm>
+            <a:off x="653251" y="677277"/>
+            <a:ext cx="10885496" cy="720993"/>
+          </a:xfrm>
+          <a:prstGeom prst="rect">
+            <a:avLst/>
+          </a:prstGeom>
+        </p:spPr>
+        <p:txBody>
+          <a:bodyPr wrap="square">
+            <a:spAutoFit/>
+          </a:bodyPr>
+          <a:lstStyle/>
+          <a:p>
+            <a:pPr lvl="0">
+              <a:defRPr/>
+            </a:pPr>
+            <a:r>
+              <a:rPr lang="ko-KR" altLang="en-US" sz="4200" b="1" i="1">
+                <a:solidFill>
+                  <a:srgbClr val="ff9999"/>
+                </a:solidFill>
+              </a:rPr>
+              <a:t>변경 후 사이트맵</a:t>
             </a:r>
             <a:endParaRPr lang="ko-KR" altLang="en-US" sz="4200" b="1" i="1">
               <a:solidFill>
